--- a/DSE 200X_ Mini Project Presentation_ChinmaySawant.pptx
+++ b/DSE 200X_ Mini Project Presentation_ChinmaySawant.pptx
@@ -252,7 +252,7 @@
   </p:defaultTextStyle>
   <p:extLst>
     <p:ext uri="{EFAFB233-063F-42B5-8137-9DF3F51BA10A}">
-      <p15:sldGuideLst xmlns:p15="http://schemas.microsoft.com/office/powerpoint/2012/main">
+      <p15:sldGuideLst xmlns="" xmlns:p15="http://schemas.microsoft.com/office/powerpoint/2012/main">
         <p15:guide id="1" orient="horz" pos="1620">
           <p15:clr>
             <a:srgbClr val="A4A3A4"/>
@@ -7200,7 +7200,7 @@
         </p:nvSpPr>
         <p:spPr>
           <a:xfrm>
-            <a:off x="323528" y="195486"/>
+            <a:off x="323528" y="125160"/>
             <a:ext cx="8520600" cy="572700"/>
           </a:xfrm>
           <a:prstGeom prst="rect">
@@ -7264,49 +7264,54 @@
               </a:spcAft>
               <a:buNone/>
             </a:pPr>
+            <a:endParaRPr lang="en-US" sz="1600" dirty="0"/>
+          </a:p>
+          <a:p>
+            <a:pPr marL="0" indent="0">
+              <a:spcBef>
+                <a:spcPts val="1600"/>
+              </a:spcBef>
+              <a:spcAft>
+                <a:spcPts val="1600"/>
+              </a:spcAft>
+              <a:buNone/>
+            </a:pPr>
+            <a:endParaRPr lang="en-US" sz="1600" dirty="0" smtClean="0"/>
+          </a:p>
+          <a:p>
+            <a:pPr marL="0" indent="0">
+              <a:spcBef>
+                <a:spcPts val="1600"/>
+              </a:spcBef>
+              <a:spcAft>
+                <a:spcPts val="1600"/>
+              </a:spcAft>
+              <a:buNone/>
+            </a:pPr>
+            <a:endParaRPr lang="en-US" sz="1600" dirty="0"/>
+          </a:p>
+          <a:p>
+            <a:pPr marL="0" indent="0">
+              <a:spcBef>
+                <a:spcPts val="1600"/>
+              </a:spcBef>
+              <a:spcAft>
+                <a:spcPts val="1600"/>
+              </a:spcAft>
+              <a:buNone/>
+            </a:pPr>
+            <a:r>
+              <a:rPr lang="en-US" sz="1600" dirty="0" smtClean="0"/>
+              <a:t>In </a:t>
+            </a:r>
             <a:r>
               <a:rPr lang="en-US" sz="1600" dirty="0"/>
-              <a:t>In 1995, India's health expenditure(% of GDP) was 4.06% compared to China's 3.5% but India's health expenditure have rather decreased over the years with 3.9% of GDP in 2013 compared to China's 5.56</a:t>
+              <a:t>1995, India's health expenditure(% of GDP) was 4.06% compared to China's 3.5% but India's health expenditure have rather decreased over the years with 3.9% of GDP in 2013 compared to China's 5.56</a:t>
             </a:r>
             <a:r>
               <a:rPr lang="en-US" sz="1600" dirty="0" smtClean="0"/>
               <a:t>%.</a:t>
             </a:r>
-          </a:p>
-          <a:p>
-            <a:pPr marL="0" indent="0">
-              <a:spcBef>
-                <a:spcPts val="1600"/>
-              </a:spcBef>
-              <a:spcAft>
-                <a:spcPts val="1600"/>
-              </a:spcAft>
-              <a:buNone/>
-            </a:pPr>
-            <a:endParaRPr lang="en-US" sz="1600" dirty="0"/>
-          </a:p>
-          <a:p>
-            <a:pPr marL="0" indent="0">
-              <a:spcBef>
-                <a:spcPts val="1600"/>
-              </a:spcBef>
-              <a:spcAft>
-                <a:spcPts val="1600"/>
-              </a:spcAft>
-              <a:buNone/>
-            </a:pPr>
-            <a:endParaRPr lang="en-US" sz="1600" dirty="0" smtClean="0"/>
-          </a:p>
-          <a:p>
-            <a:pPr marL="0" indent="0">
-              <a:spcBef>
-                <a:spcPts val="1600"/>
-              </a:spcBef>
-              <a:spcAft>
-                <a:spcPts val="1600"/>
-              </a:spcAft>
-              <a:buNone/>
-            </a:pPr>
             <a:endParaRPr lang="en-US" sz="1600" dirty="0" smtClean="0"/>
           </a:p>
           <a:p>
@@ -7410,7 +7415,7 @@
         </p:blipFill>
         <p:spPr>
           <a:xfrm>
-            <a:off x="2843808" y="1572974"/>
+            <a:off x="2411760" y="411510"/>
             <a:ext cx="3672408" cy="2490802"/>
           </a:xfrm>
           <a:prstGeom prst="rect">
@@ -7576,7 +7581,15 @@
             </a:pPr>
             <a:r>
               <a:rPr lang="en-IN" sz="1600" dirty="0" smtClean="0"/>
-              <a:t>Above scatterplot clearly shows correlation between the Health expenditure and GDP growth of India with slight increase in the size of the bubbles suggesting the steady increase in Life expectancy over the years. </a:t>
+              <a:t>Above scatterplot clearly </a:t>
+            </a:r>
+            <a:r>
+              <a:rPr lang="en-IN" sz="1600" dirty="0" smtClean="0"/>
+              <a:t>shows the </a:t>
+            </a:r>
+            <a:r>
+              <a:rPr lang="en-IN" sz="1600" dirty="0" smtClean="0"/>
+              <a:t>correlation between the Health expenditure and GDP growth of India with slight increase in the size of the bubbles suggesting the steady increase in Life expectancy over the years. </a:t>
             </a:r>
           </a:p>
           <a:p>
@@ -7777,7 +7790,23 @@
             </a:pPr>
             <a:r>
               <a:rPr lang="en-IN" dirty="0" smtClean="0"/>
-              <a:t>In next three decade with bit more importance to health care, data clearly suggest a substantial growth in GDP </a:t>
+              <a:t>In next three </a:t>
+            </a:r>
+            <a:r>
+              <a:rPr lang="en-IN" dirty="0" smtClean="0"/>
+              <a:t>decades </a:t>
+            </a:r>
+            <a:r>
+              <a:rPr lang="en-IN" dirty="0" smtClean="0"/>
+              <a:t>with bit more importance </a:t>
+            </a:r>
+            <a:r>
+              <a:rPr lang="en-IN" dirty="0" smtClean="0"/>
+              <a:t>towards health-care, health expenditure per capita increased from $18 to $61 leading to a substantial </a:t>
+            </a:r>
+            <a:r>
+              <a:rPr lang="en-IN" dirty="0" smtClean="0"/>
+              <a:t>growth in GDP </a:t>
             </a:r>
             <a:r>
               <a:rPr lang="en-IN" dirty="0"/>
@@ -7914,7 +7943,7 @@
         </p:nvSpPr>
         <p:spPr>
           <a:xfrm>
-            <a:off x="274327" y="555526"/>
+            <a:off x="251520" y="555526"/>
             <a:ext cx="8520600" cy="4320480"/>
           </a:xfrm>
           <a:prstGeom prst="rect">
@@ -7937,7 +7966,15 @@
             </a:pPr>
             <a:r>
               <a:rPr lang="en-IN" dirty="0" smtClean="0"/>
-              <a:t>Low public spending in the health care sector is another concern for India.</a:t>
+              <a:t>Low public spending in the health care sector is another concern for </a:t>
+            </a:r>
+            <a:r>
+              <a:rPr lang="en-IN" dirty="0" err="1" smtClean="0"/>
+              <a:t>India.Only</a:t>
+            </a:r>
+            <a:r>
+              <a:rPr lang="en-IN" dirty="0" smtClean="0"/>
+              <a:t> 29% of the total health expenditure was funded by public funds in 2011. </a:t>
             </a:r>
           </a:p>
           <a:p>
@@ -7951,23 +7988,11 @@
             </a:pPr>
             <a:r>
               <a:rPr lang="en-IN" dirty="0" smtClean="0"/>
-              <a:t>Only 29% of the total health expenditure funded by public funds in 2011, will </a:t>
+              <a:t>Over dependency on private investments in health care will in turn affect the </a:t>
             </a:r>
             <a:r>
               <a:rPr lang="en-US" dirty="0" smtClean="0"/>
-              <a:t>affect access to health care </a:t>
-            </a:r>
-            <a:r>
-              <a:rPr lang="en-US" dirty="0" smtClean="0"/>
-              <a:t>with </a:t>
-            </a:r>
-            <a:r>
-              <a:rPr lang="en-US" dirty="0" smtClean="0"/>
-              <a:t>22% of the population below poverty line</a:t>
-            </a:r>
-            <a:r>
-              <a:rPr lang="en-US" dirty="0" smtClean="0"/>
-              <a:t>.</a:t>
+              <a:t>access to health care for the poorer, with 22% of the population below poverty line.</a:t>
             </a:r>
           </a:p>
           <a:p>
@@ -7981,13 +8006,18 @@
               <a:buNone/>
             </a:pPr>
             <a:r>
-              <a:rPr lang="en-US" sz="2800" dirty="0">
+              <a:rPr lang="en-US" sz="2800" dirty="0" smtClean="0">
                 <a:solidFill>
                   <a:schemeClr val="dk1"/>
                 </a:solidFill>
               </a:rPr>
               <a:t>Conclusion</a:t>
             </a:r>
+            <a:endParaRPr lang="en-US" sz="2800" dirty="0">
+              <a:solidFill>
+                <a:schemeClr val="dk1"/>
+              </a:solidFill>
+            </a:endParaRPr>
           </a:p>
           <a:p>
             <a:pPr marL="0" indent="0">
